--- a/yoon_python/3_proj_check.pptx
+++ b/yoon_python/3_proj_check.pptx
@@ -5,10 +5,12 @@
     <p:sldMasterId id="2147483648" r:id="rId1"/>
   </p:sldMasterIdLst>
   <p:notesMasterIdLst>
-    <p:notesMasterId r:id="rId3"/>
+    <p:notesMasterId r:id="rId5"/>
   </p:notesMasterIdLst>
   <p:sldIdLst>
     <p:sldId id="265" r:id="rId2"/>
+    <p:sldId id="266" r:id="rId3"/>
+    <p:sldId id="267" r:id="rId4"/>
   </p:sldIdLst>
   <p:sldSz cx="12192000" cy="6858000"/>
   <p:notesSz cx="6858000" cy="9144000"/>
@@ -197,7 +199,7 @@
           <a:p>
             <a:fld id="{5B9F9D6C-9AAE-D24E-86C8-004D1A7B7050}" type="datetimeFigureOut">
               <a:rPr lang="en-US" smtClean="0"/>
-              <a:t>4/22/22</a:t>
+              <a:t>4/23/22</a:t>
             </a:fld>
             <a:endParaRPr lang="en-US"/>
           </a:p>
@@ -611,7 +613,7 @@
           <a:p>
             <a:fld id="{70116841-CA28-DD40-BA5E-4C557F2499B6}" type="datetimeFigureOut">
               <a:rPr lang="en-US" smtClean="0"/>
-              <a:t>4/22/22</a:t>
+              <a:t>4/23/22</a:t>
             </a:fld>
             <a:endParaRPr lang="en-US"/>
           </a:p>
@@ -809,7 +811,7 @@
           <a:p>
             <a:fld id="{70116841-CA28-DD40-BA5E-4C557F2499B6}" type="datetimeFigureOut">
               <a:rPr lang="en-US" smtClean="0"/>
-              <a:t>4/22/22</a:t>
+              <a:t>4/23/22</a:t>
             </a:fld>
             <a:endParaRPr lang="en-US"/>
           </a:p>
@@ -1017,7 +1019,7 @@
           <a:p>
             <a:fld id="{70116841-CA28-DD40-BA5E-4C557F2499B6}" type="datetimeFigureOut">
               <a:rPr lang="en-US" smtClean="0"/>
-              <a:t>4/22/22</a:t>
+              <a:t>4/23/22</a:t>
             </a:fld>
             <a:endParaRPr lang="en-US"/>
           </a:p>
@@ -1215,7 +1217,7 @@
           <a:p>
             <a:fld id="{70116841-CA28-DD40-BA5E-4C557F2499B6}" type="datetimeFigureOut">
               <a:rPr lang="en-US" smtClean="0"/>
-              <a:t>4/22/22</a:t>
+              <a:t>4/23/22</a:t>
             </a:fld>
             <a:endParaRPr lang="en-US"/>
           </a:p>
@@ -1490,7 +1492,7 @@
           <a:p>
             <a:fld id="{70116841-CA28-DD40-BA5E-4C557F2499B6}" type="datetimeFigureOut">
               <a:rPr lang="en-US" smtClean="0"/>
-              <a:t>4/22/22</a:t>
+              <a:t>4/23/22</a:t>
             </a:fld>
             <a:endParaRPr lang="en-US"/>
           </a:p>
@@ -1755,7 +1757,7 @@
           <a:p>
             <a:fld id="{70116841-CA28-DD40-BA5E-4C557F2499B6}" type="datetimeFigureOut">
               <a:rPr lang="en-US" smtClean="0"/>
-              <a:t>4/22/22</a:t>
+              <a:t>4/23/22</a:t>
             </a:fld>
             <a:endParaRPr lang="en-US"/>
           </a:p>
@@ -2167,7 +2169,7 @@
           <a:p>
             <a:fld id="{70116841-CA28-DD40-BA5E-4C557F2499B6}" type="datetimeFigureOut">
               <a:rPr lang="en-US" smtClean="0"/>
-              <a:t>4/22/22</a:t>
+              <a:t>4/23/22</a:t>
             </a:fld>
             <a:endParaRPr lang="en-US"/>
           </a:p>
@@ -2308,7 +2310,7 @@
           <a:p>
             <a:fld id="{70116841-CA28-DD40-BA5E-4C557F2499B6}" type="datetimeFigureOut">
               <a:rPr lang="en-US" smtClean="0"/>
-              <a:t>4/22/22</a:t>
+              <a:t>4/23/22</a:t>
             </a:fld>
             <a:endParaRPr lang="en-US"/>
           </a:p>
@@ -2421,7 +2423,7 @@
           <a:p>
             <a:fld id="{70116841-CA28-DD40-BA5E-4C557F2499B6}" type="datetimeFigureOut">
               <a:rPr lang="en-US" smtClean="0"/>
-              <a:t>4/22/22</a:t>
+              <a:t>4/23/22</a:t>
             </a:fld>
             <a:endParaRPr lang="en-US"/>
           </a:p>
@@ -2732,7 +2734,7 @@
           <a:p>
             <a:fld id="{70116841-CA28-DD40-BA5E-4C557F2499B6}" type="datetimeFigureOut">
               <a:rPr lang="en-US" smtClean="0"/>
-              <a:t>4/22/22</a:t>
+              <a:t>4/23/22</a:t>
             </a:fld>
             <a:endParaRPr lang="en-US"/>
           </a:p>
@@ -3020,7 +3022,7 @@
           <a:p>
             <a:fld id="{70116841-CA28-DD40-BA5E-4C557F2499B6}" type="datetimeFigureOut">
               <a:rPr lang="en-US" smtClean="0"/>
-              <a:t>4/22/22</a:t>
+              <a:t>4/23/22</a:t>
             </a:fld>
             <a:endParaRPr lang="en-US"/>
           </a:p>
@@ -3261,7 +3263,7 @@
           <a:p>
             <a:fld id="{70116841-CA28-DD40-BA5E-4C557F2499B6}" type="datetimeFigureOut">
               <a:rPr lang="en-US" smtClean="0"/>
-              <a:t>4/22/22</a:t>
+              <a:t>4/23/22</a:t>
             </a:fld>
             <a:endParaRPr lang="en-US"/>
           </a:p>
@@ -4123,6 +4125,755 @@
     <p:extLst>
       <p:ext uri="{BB962C8B-B14F-4D97-AF65-F5344CB8AC3E}">
         <p14:creationId xmlns:p14="http://schemas.microsoft.com/office/powerpoint/2010/main" val="1587143410"/>
+      </p:ext>
+    </p:extLst>
+  </p:cSld>
+  <p:clrMapOvr>
+    <a:masterClrMapping/>
+  </p:clrMapOvr>
+</p:sld>
+</file>
+
+<file path=ppt/slides/slide2.xml><?xml version="1.0" encoding="utf-8"?>
+<p:sld xmlns:a="http://schemas.openxmlformats.org/drawingml/2006/main" xmlns:r="http://schemas.openxmlformats.org/officeDocument/2006/relationships" xmlns:p="http://schemas.openxmlformats.org/presentationml/2006/main">
+  <p:cSld>
+    <p:spTree>
+      <p:nvGrpSpPr>
+        <p:cNvPr id="1" name=""/>
+        <p:cNvGrpSpPr/>
+        <p:nvPr/>
+      </p:nvGrpSpPr>
+      <p:grpSpPr>
+        <a:xfrm>
+          <a:off x="0" y="0"/>
+          <a:ext cx="0" cy="0"/>
+          <a:chOff x="0" y="0"/>
+          <a:chExt cx="0" cy="0"/>
+        </a:xfrm>
+      </p:grpSpPr>
+      <p:sp>
+        <p:nvSpPr>
+          <p:cNvPr id="6" name="TextBox 5">
+            <a:extLst>
+              <a:ext uri="{FF2B5EF4-FFF2-40B4-BE49-F238E27FC236}">
+                <a16:creationId xmlns:a16="http://schemas.microsoft.com/office/drawing/2014/main" id="{7440B7F9-5330-1D42-388F-12B9E3A84726}"/>
+              </a:ext>
+            </a:extLst>
+          </p:cNvPr>
+          <p:cNvSpPr txBox="1"/>
+          <p:nvPr/>
+        </p:nvSpPr>
+        <p:spPr>
+          <a:xfrm>
+            <a:off x="636607" y="208524"/>
+            <a:ext cx="10139424" cy="6186309"/>
+          </a:xfrm>
+          <a:prstGeom prst="rect">
+            <a:avLst/>
+          </a:prstGeom>
+          <a:noFill/>
+        </p:spPr>
+        <p:txBody>
+          <a:bodyPr wrap="square" rtlCol="0">
+            <a:spAutoFit/>
+          </a:bodyPr>
+          <a:lstStyle/>
+          <a:p>
+            <a:pPr marL="342900" indent="-342900">
+              <a:buAutoNum type="arabicParenR"/>
+            </a:pPr>
+            <a:r>
+              <a:rPr lang="en-US" altLang="ko-KR" dirty="0"/>
+              <a:t>(2)</a:t>
+            </a:r>
+            <a:r>
+              <a:rPr lang="ko-KR" altLang="en-US" dirty="0"/>
+              <a:t>번을 풀기위해</a:t>
+            </a:r>
+            <a:r>
+              <a:rPr lang="en-US" dirty="0"/>
+              <a:t> D from CT </a:t>
+            </a:r>
+            <a:r>
+              <a:rPr lang="ko-KR" altLang="en-US" dirty="0"/>
+              <a:t>의 값은 바꾸지 않는다</a:t>
+            </a:r>
+            <a:r>
+              <a:rPr lang="en-US" altLang="ko-KR" dirty="0"/>
+              <a:t>.</a:t>
+            </a:r>
+          </a:p>
+          <a:p>
+            <a:pPr marL="342900" indent="-342900">
+              <a:buAutoNum type="arabicParenR"/>
+            </a:pPr>
+            <a:endParaRPr lang="en-US" dirty="0"/>
+          </a:p>
+          <a:p>
+            <a:pPr marL="342900" indent="-342900">
+              <a:buAutoNum type="arabicParenR"/>
+            </a:pPr>
+            <a:r>
+              <a:rPr lang="ko-KR" altLang="en-US" dirty="0"/>
+              <a:t>검증은 아래의 </a:t>
+            </a:r>
+            <a:r>
+              <a:rPr lang="en-US" altLang="ko-KR" dirty="0"/>
+              <a:t>3</a:t>
+            </a:r>
+            <a:r>
+              <a:rPr lang="ko-KR" altLang="en-US" dirty="0"/>
+              <a:t>가지 방식으로 한다</a:t>
+            </a:r>
+            <a:r>
+              <a:rPr lang="en-US" altLang="ko-KR" dirty="0"/>
+              <a:t>.</a:t>
+            </a:r>
+          </a:p>
+          <a:p>
+            <a:r>
+              <a:rPr lang="ko-KR" altLang="en-US" dirty="0"/>
+              <a:t>        </a:t>
+            </a:r>
+            <a:r>
+              <a:rPr lang="en-US" altLang="ko-KR" dirty="0"/>
+              <a:t>1. </a:t>
+            </a:r>
+            <a:r>
+              <a:rPr lang="ko-KR" altLang="en-US" dirty="0"/>
+              <a:t> 우리가 생성한 </a:t>
+            </a:r>
+            <a:r>
+              <a:rPr lang="en-US" altLang="ko-KR" dirty="0"/>
+              <a:t>D</a:t>
+            </a:r>
+            <a:r>
+              <a:rPr lang="ko-KR" altLang="en-US" dirty="0"/>
+              <a:t> </a:t>
+            </a:r>
+            <a:r>
+              <a:rPr lang="en-US" altLang="ko-KR" dirty="0"/>
+              <a:t>from</a:t>
+            </a:r>
+            <a:r>
+              <a:rPr lang="ko-KR" altLang="en-US" dirty="0"/>
+              <a:t> </a:t>
+            </a:r>
+            <a:r>
+              <a:rPr lang="en-US" altLang="ko-KR" dirty="0"/>
+              <a:t>CT</a:t>
+            </a:r>
+            <a:r>
+              <a:rPr lang="ko-KR" altLang="en-US" dirty="0"/>
+              <a:t> 와 원본 </a:t>
+            </a:r>
+            <a:r>
+              <a:rPr lang="en-US" altLang="ko-KR" dirty="0"/>
+              <a:t>D from CT </a:t>
+            </a:r>
+            <a:r>
+              <a:rPr lang="ko-KR" altLang="en-US" dirty="0"/>
+              <a:t>와 랜덤하게 섞어서 검증 </a:t>
+            </a:r>
+            <a:r>
+              <a:rPr lang="en-US" altLang="ko-KR" dirty="0"/>
+              <a:t>(</a:t>
+            </a:r>
+            <a:r>
+              <a:rPr lang="ko-KR" altLang="en-US" dirty="0"/>
+              <a:t>지금의 </a:t>
+            </a:r>
+            <a:r>
+              <a:rPr lang="en-US" altLang="ko-KR" dirty="0" err="1"/>
+              <a:t>sklearn</a:t>
+            </a:r>
+            <a:r>
+              <a:rPr lang="en-US" altLang="ko-KR" dirty="0"/>
+              <a:t> </a:t>
+            </a:r>
+            <a:r>
+              <a:rPr lang="ko-KR" altLang="en-US" dirty="0"/>
+              <a:t>방식</a:t>
+            </a:r>
+            <a:r>
+              <a:rPr lang="en-US" altLang="ko-KR" dirty="0"/>
+              <a:t>)</a:t>
+            </a:r>
+          </a:p>
+          <a:p>
+            <a:r>
+              <a:rPr lang="ko-KR" altLang="en-US" dirty="0"/>
+              <a:t>        </a:t>
+            </a:r>
+            <a:r>
+              <a:rPr lang="en-US" altLang="ko-KR" dirty="0"/>
+              <a:t>2.</a:t>
+            </a:r>
+            <a:r>
+              <a:rPr lang="ko-KR" altLang="en-US" dirty="0"/>
+              <a:t> 원본 </a:t>
+            </a:r>
+            <a:r>
+              <a:rPr lang="en-US" altLang="ko-KR" dirty="0"/>
+              <a:t>D from CT</a:t>
+            </a:r>
+            <a:r>
+              <a:rPr lang="ko-KR" altLang="en-US" dirty="0"/>
+              <a:t>로만</a:t>
+            </a:r>
+            <a:endParaRPr lang="en-US" altLang="ko-KR" dirty="0"/>
+          </a:p>
+          <a:p>
+            <a:r>
+              <a:rPr lang="ko-KR" altLang="en-US" dirty="0"/>
+              <a:t>        </a:t>
+            </a:r>
+            <a:r>
+              <a:rPr lang="en-US" altLang="ko-KR" dirty="0"/>
+              <a:t>3.</a:t>
+            </a:r>
+            <a:r>
+              <a:rPr lang="ko-KR" altLang="en-US" dirty="0"/>
+              <a:t> 우리가 </a:t>
+            </a:r>
+            <a:r>
+              <a:rPr lang="ko-KR" altLang="en-US" dirty="0" err="1"/>
+              <a:t>생성한것으로만</a:t>
+            </a:r>
+            <a:endParaRPr lang="en-US" altLang="ko-KR" dirty="0"/>
+          </a:p>
+          <a:p>
+            <a:r>
+              <a:rPr lang="ko-KR" altLang="en-US" dirty="0"/>
+              <a:t>   </a:t>
+            </a:r>
+            <a:endParaRPr lang="en-US" altLang="ko-KR" dirty="0"/>
+          </a:p>
+          <a:p>
+            <a:r>
+              <a:rPr lang="en-US" altLang="ko-KR" dirty="0"/>
+              <a:t>3)</a:t>
+            </a:r>
+            <a:r>
+              <a:rPr lang="ko-KR" altLang="en-US" dirty="0"/>
+              <a:t> </a:t>
+            </a:r>
+            <a:r>
+              <a:rPr lang="en-US" altLang="ko-KR" dirty="0"/>
+              <a:t>(2)</a:t>
+            </a:r>
+            <a:r>
+              <a:rPr lang="ko-KR" altLang="en-US" dirty="0"/>
+              <a:t>번을 위한 파라미터는 </a:t>
+            </a:r>
+            <a:endParaRPr lang="en-US" altLang="ko-KR" dirty="0"/>
+          </a:p>
+          <a:p>
+            <a:r>
+              <a:rPr lang="ko-KR" altLang="en-US" dirty="0"/>
+              <a:t>        </a:t>
+            </a:r>
+            <a:r>
+              <a:rPr lang="en-US" altLang="ko-KR" dirty="0"/>
+              <a:t>1.</a:t>
+            </a:r>
+            <a:r>
+              <a:rPr lang="ko-KR" altLang="en-US" dirty="0"/>
+              <a:t> </a:t>
+            </a:r>
+            <a:r>
+              <a:rPr lang="en-US" altLang="ko-KR" dirty="0"/>
+              <a:t>R</a:t>
+            </a:r>
+            <a:r>
+              <a:rPr lang="ko-KR" altLang="en-US" dirty="0"/>
+              <a:t>의 회귀분석을 통해 추가</a:t>
+            </a:r>
+            <a:endParaRPr lang="en-US" altLang="ko-KR" dirty="0"/>
+          </a:p>
+          <a:p>
+            <a:r>
+              <a:rPr lang="ko-KR" altLang="en-US" dirty="0"/>
+              <a:t>        </a:t>
+            </a:r>
+            <a:r>
+              <a:rPr lang="en-US" altLang="ko-KR" dirty="0"/>
+              <a:t>2.</a:t>
+            </a:r>
+            <a:r>
+              <a:rPr lang="ko-KR" altLang="en-US" dirty="0"/>
+              <a:t> </a:t>
+            </a:r>
+            <a:r>
+              <a:rPr lang="en-US" altLang="ko-KR" dirty="0"/>
+              <a:t>R</a:t>
+            </a:r>
+            <a:r>
+              <a:rPr lang="ko-KR" altLang="en-US" dirty="0"/>
+              <a:t>의 상관관계분석을 통해 삭제</a:t>
+            </a:r>
+            <a:endParaRPr lang="en-US" altLang="ko-KR" dirty="0"/>
+          </a:p>
+          <a:p>
+            <a:endParaRPr lang="en-US" altLang="ko-KR" dirty="0"/>
+          </a:p>
+          <a:p>
+            <a:r>
+              <a:rPr lang="en-US" altLang="ko-KR" dirty="0"/>
+              <a:t>4)</a:t>
+            </a:r>
+            <a:r>
+              <a:rPr lang="ko-KR" altLang="en-US" dirty="0"/>
+              <a:t> </a:t>
+            </a:r>
+            <a:r>
+              <a:rPr lang="en-US" altLang="ko-KR" dirty="0" err="1"/>
+              <a:t>Clincal</a:t>
+            </a:r>
+            <a:r>
+              <a:rPr lang="en-US" altLang="ko-KR" dirty="0"/>
+              <a:t> outcome</a:t>
+            </a:r>
+            <a:r>
+              <a:rPr lang="ko-KR" altLang="en-US" dirty="0"/>
+              <a:t> 은 최종 </a:t>
+            </a:r>
+            <a:r>
+              <a:rPr lang="ko-KR" altLang="en-US" dirty="0" err="1"/>
+              <a:t>완료후</a:t>
+            </a:r>
+            <a:endParaRPr lang="en-US" altLang="ko-KR" dirty="0"/>
+          </a:p>
+          <a:p>
+            <a:r>
+              <a:rPr lang="ko-KR" altLang="en-US" dirty="0"/>
+              <a:t>     </a:t>
+            </a:r>
+            <a:r>
+              <a:rPr lang="en-US" altLang="ko-KR" dirty="0"/>
+              <a:t>1. digital </a:t>
+            </a:r>
+            <a:r>
+              <a:rPr lang="ko-KR" altLang="en-US" dirty="0"/>
+              <a:t>화</a:t>
+            </a:r>
+            <a:endParaRPr lang="en-US" altLang="ko-KR" dirty="0"/>
+          </a:p>
+          <a:p>
+            <a:r>
+              <a:rPr lang="ko-KR" altLang="en-US" dirty="0"/>
+              <a:t>     </a:t>
+            </a:r>
+            <a:r>
+              <a:rPr lang="en-US" altLang="ko-KR" dirty="0"/>
+              <a:t>2. </a:t>
+            </a:r>
+            <a:r>
+              <a:rPr lang="ko-KR" altLang="en-US" dirty="0"/>
+              <a:t>지금 모델에서 추가 </a:t>
+            </a:r>
+            <a:r>
+              <a:rPr lang="ko-KR" altLang="en-US" dirty="0" err="1"/>
+              <a:t>예측물</a:t>
+            </a:r>
+            <a:r>
+              <a:rPr lang="ko-KR" altLang="en-US" dirty="0"/>
+              <a:t> 확정</a:t>
+            </a:r>
+            <a:endParaRPr lang="en-US" altLang="ko-KR" dirty="0"/>
+          </a:p>
+          <a:p>
+            <a:r>
+              <a:rPr lang="ko-KR" altLang="en-US" dirty="0"/>
+              <a:t>     </a:t>
+            </a:r>
+            <a:r>
+              <a:rPr lang="en-US" altLang="ko-KR" dirty="0"/>
+              <a:t>3. </a:t>
+            </a:r>
+            <a:r>
+              <a:rPr lang="ko-KR" altLang="en-US" dirty="0"/>
+              <a:t>지금 모델의 정합도 향상에 활용</a:t>
+            </a:r>
+            <a:endParaRPr lang="en-US" altLang="ko-KR" dirty="0"/>
+          </a:p>
+          <a:p>
+            <a:endParaRPr lang="en-US" dirty="0"/>
+          </a:p>
+          <a:p>
+            <a:endParaRPr lang="en-US" dirty="0"/>
+          </a:p>
+          <a:p>
+            <a:r>
+              <a:rPr lang="en-US" altLang="ko-KR" dirty="0"/>
+              <a:t>(1)/(3)</a:t>
+            </a:r>
+            <a:r>
+              <a:rPr lang="ko-KR" altLang="en-US" dirty="0"/>
+              <a:t>번 코드 구현 완성 </a:t>
+            </a:r>
+            <a:r>
+              <a:rPr lang="en-US" altLang="ko-KR" dirty="0"/>
+              <a:t>&lt;-</a:t>
+            </a:r>
+            <a:r>
+              <a:rPr lang="ko-KR" altLang="en-US" dirty="0"/>
+              <a:t>호근</a:t>
+            </a:r>
+            <a:endParaRPr lang="en-US" altLang="ko-KR" dirty="0"/>
+          </a:p>
+          <a:p>
+            <a:endParaRPr lang="en-US" dirty="0"/>
+          </a:p>
+          <a:p>
+            <a:r>
+              <a:rPr lang="en-US" altLang="ko-KR" dirty="0"/>
+              <a:t>(2)</a:t>
+            </a:r>
+            <a:r>
+              <a:rPr lang="ko-KR" altLang="en-US" dirty="0"/>
+              <a:t>번 파라미터 분석 </a:t>
+            </a:r>
+            <a:r>
+              <a:rPr lang="en-US" altLang="ko-KR" dirty="0">
+                <a:sym typeface="Wingdings" pitchFamily="2" charset="2"/>
+              </a:rPr>
+              <a:t></a:t>
+            </a:r>
+            <a:r>
+              <a:rPr lang="ko-KR" altLang="en-US" dirty="0" err="1">
+                <a:sym typeface="Wingdings" pitchFamily="2" charset="2"/>
+              </a:rPr>
+              <a:t>윤채</a:t>
+            </a:r>
+            <a:endParaRPr lang="en-US" altLang="ko-KR" dirty="0">
+              <a:sym typeface="Wingdings" pitchFamily="2" charset="2"/>
+            </a:endParaRPr>
+          </a:p>
+          <a:p>
+            <a:endParaRPr lang="en-US" altLang="ko-KR" dirty="0">
+              <a:sym typeface="Wingdings" pitchFamily="2" charset="2"/>
+            </a:endParaRPr>
+          </a:p>
+          <a:p>
+            <a:r>
+              <a:rPr lang="ko-KR" altLang="en-US" dirty="0">
+                <a:sym typeface="Wingdings" pitchFamily="2" charset="2"/>
+              </a:rPr>
+              <a:t>발표 </a:t>
+            </a:r>
+            <a:r>
+              <a:rPr lang="en-US" altLang="ko-KR" dirty="0">
+                <a:sym typeface="Wingdings" pitchFamily="2" charset="2"/>
+              </a:rPr>
+              <a:t>5/6  </a:t>
+            </a:r>
+            <a:r>
+              <a:rPr lang="ko-KR" altLang="en-US" dirty="0">
+                <a:sym typeface="Wingdings" pitchFamily="2" charset="2"/>
+              </a:rPr>
+              <a:t>발표자료 초안완성 </a:t>
+            </a:r>
+            <a:r>
+              <a:rPr lang="en-US" altLang="ko-KR" dirty="0">
+                <a:sym typeface="Wingdings" pitchFamily="2" charset="2"/>
+              </a:rPr>
+              <a:t>5/4 </a:t>
+            </a:r>
+            <a:r>
+              <a:rPr lang="ko-KR" altLang="en-US" dirty="0">
+                <a:sym typeface="Wingdings" pitchFamily="2" charset="2"/>
+              </a:rPr>
+              <a:t>추가 </a:t>
+            </a:r>
+            <a:r>
+              <a:rPr lang="ko-KR" altLang="en-US" dirty="0" err="1">
+                <a:sym typeface="Wingdings" pitchFamily="2" charset="2"/>
+              </a:rPr>
+              <a:t>클리니컬아웃컴구현</a:t>
+            </a:r>
+            <a:r>
+              <a:rPr lang="ko-KR" altLang="en-US" dirty="0">
+                <a:sym typeface="Wingdings" pitchFamily="2" charset="2"/>
+              </a:rPr>
+              <a:t>  </a:t>
+            </a:r>
+            <a:r>
+              <a:rPr lang="ko-KR" altLang="en-US" dirty="0" err="1">
+                <a:sym typeface="Wingdings" pitchFamily="2" charset="2"/>
+              </a:rPr>
+              <a:t>클리니컬아웃컴방향확정</a:t>
+            </a:r>
+            <a:endParaRPr lang="en-US" altLang="ko-KR" dirty="0"/>
+          </a:p>
+        </p:txBody>
+      </p:sp>
+    </p:spTree>
+    <p:extLst>
+      <p:ext uri="{BB962C8B-B14F-4D97-AF65-F5344CB8AC3E}">
+        <p14:creationId xmlns:p14="http://schemas.microsoft.com/office/powerpoint/2010/main" val="1037310735"/>
+      </p:ext>
+    </p:extLst>
+  </p:cSld>
+  <p:clrMapOvr>
+    <a:masterClrMapping/>
+  </p:clrMapOvr>
+</p:sld>
+</file>
+
+<file path=ppt/slides/slide3.xml><?xml version="1.0" encoding="utf-8"?>
+<p:sld xmlns:a="http://schemas.openxmlformats.org/drawingml/2006/main" xmlns:r="http://schemas.openxmlformats.org/officeDocument/2006/relationships" xmlns:p="http://schemas.openxmlformats.org/presentationml/2006/main">
+  <p:cSld>
+    <p:spTree>
+      <p:nvGrpSpPr>
+        <p:cNvPr id="1" name=""/>
+        <p:cNvGrpSpPr/>
+        <p:nvPr/>
+      </p:nvGrpSpPr>
+      <p:grpSpPr>
+        <a:xfrm>
+          <a:off x="0" y="0"/>
+          <a:ext cx="0" cy="0"/>
+          <a:chOff x="0" y="0"/>
+          <a:chExt cx="0" cy="0"/>
+        </a:xfrm>
+      </p:grpSpPr>
+      <p:sp>
+        <p:nvSpPr>
+          <p:cNvPr id="4" name="Rectangle 3">
+            <a:extLst>
+              <a:ext uri="{FF2B5EF4-FFF2-40B4-BE49-F238E27FC236}">
+                <a16:creationId xmlns:a16="http://schemas.microsoft.com/office/drawing/2014/main" id="{45E7A474-C118-3C08-622E-AE44B52A1E86}"/>
+              </a:ext>
+            </a:extLst>
+          </p:cNvPr>
+          <p:cNvSpPr/>
+          <p:nvPr/>
+        </p:nvSpPr>
+        <p:spPr>
+          <a:xfrm>
+            <a:off x="698340" y="798653"/>
+            <a:ext cx="6096000" cy="4524315"/>
+          </a:xfrm>
+          <a:prstGeom prst="rect">
+            <a:avLst/>
+          </a:prstGeom>
+        </p:spPr>
+        <p:txBody>
+          <a:bodyPr>
+            <a:spAutoFit/>
+          </a:bodyPr>
+          <a:lstStyle/>
+          <a:p>
+            <a:r>
+              <a:rPr lang="ko-KR" altLang="en-US" dirty="0">
+                <a:sym typeface="Wingdings" pitchFamily="2" charset="2"/>
+              </a:rPr>
+              <a:t>발표 </a:t>
+            </a:r>
+            <a:r>
+              <a:rPr lang="en-US" altLang="ko-KR" dirty="0">
+                <a:sym typeface="Wingdings" pitchFamily="2" charset="2"/>
+              </a:rPr>
+              <a:t>5/6  </a:t>
+            </a:r>
+          </a:p>
+          <a:p>
+            <a:endParaRPr lang="en-US" altLang="ko-KR" dirty="0">
+              <a:sym typeface="Wingdings" pitchFamily="2" charset="2"/>
+            </a:endParaRPr>
+          </a:p>
+          <a:p>
+            <a:r>
+              <a:rPr lang="ko-KR" altLang="en-US" dirty="0">
+                <a:sym typeface="Wingdings" pitchFamily="2" charset="2"/>
+              </a:rPr>
+              <a:t>발표자료 초안완성 </a:t>
+            </a:r>
+            <a:r>
+              <a:rPr lang="en-US" altLang="ko-KR" dirty="0">
+                <a:sym typeface="Wingdings" pitchFamily="2" charset="2"/>
+              </a:rPr>
+              <a:t>5/4 </a:t>
+            </a:r>
+          </a:p>
+          <a:p>
+            <a:endParaRPr lang="en-US" altLang="ko-KR" dirty="0">
+              <a:sym typeface="Wingdings" pitchFamily="2" charset="2"/>
+            </a:endParaRPr>
+          </a:p>
+          <a:p>
+            <a:r>
+              <a:rPr lang="ko-KR" altLang="en-US" dirty="0">
+                <a:sym typeface="Wingdings" pitchFamily="2" charset="2"/>
+              </a:rPr>
+              <a:t>추가 </a:t>
+            </a:r>
+            <a:r>
+              <a:rPr lang="ko-KR" altLang="en-US" dirty="0" err="1">
+                <a:sym typeface="Wingdings" pitchFamily="2" charset="2"/>
+              </a:rPr>
+              <a:t>클리니컬아웃컴구현</a:t>
+            </a:r>
+            <a:r>
+              <a:rPr lang="ko-KR" altLang="en-US" dirty="0">
+                <a:sym typeface="Wingdings" pitchFamily="2" charset="2"/>
+              </a:rPr>
+              <a:t> 및 발표 얘기  </a:t>
+            </a:r>
+            <a:r>
+              <a:rPr lang="en-US" altLang="ko-KR" dirty="0">
+                <a:sym typeface="Wingdings" pitchFamily="2" charset="2"/>
+              </a:rPr>
+              <a:t>5/1</a:t>
+            </a:r>
+          </a:p>
+          <a:p>
+            <a:endParaRPr lang="en-US" altLang="ko-KR" dirty="0">
+              <a:sym typeface="Wingdings" pitchFamily="2" charset="2"/>
+            </a:endParaRPr>
+          </a:p>
+          <a:p>
+            <a:r>
+              <a:rPr lang="ko-KR" altLang="en-US" dirty="0" err="1">
+                <a:sym typeface="Wingdings" pitchFamily="2" charset="2"/>
+              </a:rPr>
+              <a:t>클리니컬아웃컴방향확정</a:t>
+            </a:r>
+            <a:r>
+              <a:rPr lang="ko-KR" altLang="en-US" dirty="0">
+                <a:sym typeface="Wingdings" pitchFamily="2" charset="2"/>
+              </a:rPr>
+              <a:t> </a:t>
+            </a:r>
+            <a:r>
+              <a:rPr lang="en-US" altLang="ko-KR" dirty="0">
+                <a:sym typeface="Wingdings" pitchFamily="2" charset="2"/>
+              </a:rPr>
+              <a:t>4/30</a:t>
+            </a:r>
+          </a:p>
+          <a:p>
+            <a:endParaRPr lang="en-US" altLang="ko-KR" dirty="0">
+              <a:sym typeface="Wingdings" pitchFamily="2" charset="2"/>
+            </a:endParaRPr>
+          </a:p>
+          <a:p>
+            <a:r>
+              <a:rPr lang="ko-KR" altLang="en-US" dirty="0">
+                <a:sym typeface="Wingdings" pitchFamily="2" charset="2"/>
+              </a:rPr>
+              <a:t>지금</a:t>
+            </a:r>
+            <a:r>
+              <a:rPr lang="en-US" altLang="ko-KR" dirty="0">
+                <a:sym typeface="Wingdings" pitchFamily="2" charset="2"/>
+              </a:rPr>
+              <a:t>R</a:t>
+            </a:r>
+            <a:r>
+              <a:rPr lang="ko-KR" altLang="en-US" dirty="0">
+                <a:sym typeface="Wingdings" pitchFamily="2" charset="2"/>
+              </a:rPr>
+              <a:t>분석내용 코드 적용 및 결과분석 </a:t>
+            </a:r>
+            <a:r>
+              <a:rPr lang="en-US" altLang="ko-KR" dirty="0">
+                <a:sym typeface="Wingdings" pitchFamily="2" charset="2"/>
+              </a:rPr>
+              <a:t>4/30</a:t>
+            </a:r>
+            <a:r>
+              <a:rPr lang="ko-KR" altLang="en-US" dirty="0">
+                <a:sym typeface="Wingdings" pitchFamily="2" charset="2"/>
+              </a:rPr>
+              <a:t> </a:t>
+            </a:r>
+            <a:endParaRPr lang="en-US" altLang="ko-KR" dirty="0">
+              <a:sym typeface="Wingdings" pitchFamily="2" charset="2"/>
+            </a:endParaRPr>
+          </a:p>
+          <a:p>
+            <a:endParaRPr lang="en-US" altLang="ko-KR" dirty="0">
+              <a:sym typeface="Wingdings" pitchFamily="2" charset="2"/>
+            </a:endParaRPr>
+          </a:p>
+          <a:p>
+            <a:endParaRPr lang="en-US" altLang="ko-KR" dirty="0">
+              <a:sym typeface="Wingdings" pitchFamily="2" charset="2"/>
+            </a:endParaRPr>
+          </a:p>
+          <a:p>
+            <a:r>
+              <a:rPr lang="ko-KR" altLang="en-US" dirty="0">
+                <a:sym typeface="Wingdings" pitchFamily="2" charset="2"/>
+              </a:rPr>
+              <a:t>발표 목차 및 방향 정의 </a:t>
+            </a:r>
+            <a:r>
+              <a:rPr lang="en-US" altLang="ko-KR" dirty="0">
+                <a:sym typeface="Wingdings" pitchFamily="2" charset="2"/>
+              </a:rPr>
+              <a:t>4/27</a:t>
+            </a:r>
+          </a:p>
+          <a:p>
+            <a:endParaRPr lang="en-US" altLang="ko-KR" dirty="0">
+              <a:sym typeface="Wingdings" pitchFamily="2" charset="2"/>
+            </a:endParaRPr>
+          </a:p>
+          <a:p>
+            <a:r>
+              <a:rPr lang="en-US" altLang="ko-KR" dirty="0">
+                <a:sym typeface="Wingdings" pitchFamily="2" charset="2"/>
+              </a:rPr>
+              <a:t>R</a:t>
+            </a:r>
+            <a:r>
+              <a:rPr lang="ko-KR" altLang="en-US" dirty="0">
+                <a:sym typeface="Wingdings" pitchFamily="2" charset="2"/>
+              </a:rPr>
+              <a:t>분석 및 토의 </a:t>
+            </a:r>
+            <a:r>
+              <a:rPr lang="en-US" altLang="ko-KR" dirty="0">
+                <a:sym typeface="Wingdings" pitchFamily="2" charset="2"/>
+              </a:rPr>
+              <a:t>4/27</a:t>
+            </a:r>
+          </a:p>
+          <a:p>
+            <a:endParaRPr lang="en-US" altLang="ko-KR" dirty="0">
+              <a:sym typeface="Wingdings" pitchFamily="2" charset="2"/>
+            </a:endParaRPr>
+          </a:p>
+          <a:p>
+            <a:r>
+              <a:rPr lang="en-US" altLang="ko-KR" dirty="0">
+                <a:sym typeface="Wingdings" pitchFamily="2" charset="2"/>
+              </a:rPr>
+              <a:t>1,2 </a:t>
+            </a:r>
+            <a:r>
+              <a:rPr lang="ko-KR" altLang="en-US" dirty="0">
+                <a:sym typeface="Wingdings" pitchFamily="2" charset="2"/>
+              </a:rPr>
+              <a:t>번 코드 완성 </a:t>
+            </a:r>
+            <a:r>
+              <a:rPr lang="en-US" altLang="ko-KR" dirty="0">
+                <a:sym typeface="Wingdings" pitchFamily="2" charset="2"/>
+              </a:rPr>
+              <a:t>4/27</a:t>
+            </a:r>
+            <a:endParaRPr lang="en-US" altLang="ko-KR" dirty="0"/>
+          </a:p>
+        </p:txBody>
+      </p:sp>
+    </p:spTree>
+    <p:extLst>
+      <p:ext uri="{BB962C8B-B14F-4D97-AF65-F5344CB8AC3E}">
+        <p14:creationId xmlns:p14="http://schemas.microsoft.com/office/powerpoint/2010/main" val="3076048511"/>
       </p:ext>
     </p:extLst>
   </p:cSld>
